--- a/media/logos/UniversityLogos.pptx
+++ b/media/logos/UniversityLogos.pptx
@@ -3340,10 +3340,10 @@
         </p:nvGrpSpPr>
         <p:grpSpPr>
           <a:xfrm>
-            <a:off x="1998989" y="2054792"/>
-            <a:ext cx="8194022" cy="2748415"/>
-            <a:chOff x="797393" y="2121775"/>
-            <a:chExt cx="8194022" cy="2748415"/>
+            <a:off x="2280745" y="2188759"/>
+            <a:ext cx="8216640" cy="2615741"/>
+            <a:chOff x="1079149" y="2255742"/>
+            <a:chExt cx="8216640" cy="2615741"/>
           </a:xfrm>
         </p:grpSpPr>
         <p:grpSp>
@@ -3360,10 +3360,10 @@
           </p:nvGrpSpPr>
           <p:grpSpPr>
             <a:xfrm>
-              <a:off x="7078443" y="2255742"/>
-              <a:ext cx="1912972" cy="2614448"/>
-              <a:chOff x="7078443" y="2255742"/>
-              <a:chExt cx="1912972" cy="2614448"/>
+              <a:off x="6774066" y="2255742"/>
+              <a:ext cx="2521723" cy="2614448"/>
+              <a:chOff x="6774066" y="2255742"/>
+              <a:chExt cx="2521723" cy="2614448"/>
             </a:xfrm>
           </p:grpSpPr>
           <p:pic>
@@ -3410,8 +3410,8 @@
             </p:nvSpPr>
             <p:spPr>
               <a:xfrm>
-                <a:off x="7078443" y="4084542"/>
-                <a:ext cx="1912972" cy="785648"/>
+                <a:off x="6774066" y="4084542"/>
+                <a:ext cx="2521723" cy="785648"/>
               </a:xfrm>
               <a:prstGeom prst="rect">
                 <a:avLst/>
@@ -3448,7 +3448,7 @@
                       <a:schemeClr val="tx1"/>
                     </a:solidFill>
                   </a:rPr>
-                  <a:t>Ph.D.</a:t>
+                  <a:t>Ph.D. Biological Sciences</a:t>
                 </a:r>
               </a:p>
               <a:p>
@@ -3479,10 +3479,10 @@
           </p:nvGrpSpPr>
           <p:grpSpPr>
             <a:xfrm>
-              <a:off x="797393" y="2121775"/>
-              <a:ext cx="3492130" cy="2614448"/>
-              <a:chOff x="797393" y="2121775"/>
-              <a:chExt cx="3492130" cy="2614448"/>
+              <a:off x="1079149" y="2400280"/>
+              <a:ext cx="2942896" cy="2469910"/>
+              <a:chOff x="1079149" y="2400280"/>
+              <a:chExt cx="2942896" cy="2469910"/>
             </a:xfrm>
           </p:grpSpPr>
           <p:sp>
@@ -3499,7 +3499,7 @@
             </p:nvSpPr>
             <p:spPr>
               <a:xfrm>
-                <a:off x="1350763" y="3950575"/>
+                <a:off x="1357901" y="4084542"/>
                 <a:ext cx="2385391" cy="785648"/>
               </a:xfrm>
               <a:prstGeom prst="rect">
@@ -3537,7 +3537,7 @@
                       <a:schemeClr val="tx1"/>
                     </a:solidFill>
                   </a:rPr>
-                  <a:t>B.S.</a:t>
+                  <a:t>B.S. Biology</a:t>
                 </a:r>
               </a:p>
               <a:p>
@@ -3567,7 +3567,7 @@
               </p:cNvPicPr>
               <p:nvPr/>
             </p:nvPicPr>
-            <p:blipFill>
+            <p:blipFill rotWithShape="1">
               <a:blip r:embed="rId3">
                 <a:extLst>
                   <a:ext uri="{28A0092B-C50C-407E-A947-70E740481C1C}">
@@ -3575,15 +3575,13 @@
                   </a:ext>
                 </a:extLst>
               </a:blip>
-              <a:srcRect/>
-              <a:stretch>
-                <a:fillRect/>
-              </a:stretch>
+              <a:srcRect l="8067" t="13283" r="7661" b="11966"/>
+              <a:stretch/>
             </p:blipFill>
             <p:spPr bwMode="auto">
               <a:xfrm>
-                <a:off x="797393" y="2121775"/>
-                <a:ext cx="3492130" cy="2096735"/>
+                <a:off x="1079149" y="2400280"/>
+                <a:ext cx="2942896" cy="1567334"/>
               </a:xfrm>
               <a:prstGeom prst="rect">
                 <a:avLst/>
@@ -3616,9 +3614,9 @@
           <p:grpSpPr>
             <a:xfrm>
               <a:off x="4115692" y="2890386"/>
-              <a:ext cx="2744268" cy="1862876"/>
+              <a:ext cx="2744268" cy="1981097"/>
               <a:chOff x="4115692" y="2890386"/>
-              <a:chExt cx="2744268" cy="1862876"/>
+              <a:chExt cx="2744268" cy="1981097"/>
             </a:xfrm>
           </p:grpSpPr>
           <p:pic>
@@ -3680,7 +3678,7 @@
             </p:nvSpPr>
             <p:spPr>
               <a:xfrm>
-                <a:off x="4534492" y="3967614"/>
+                <a:off x="4531340" y="4085835"/>
                 <a:ext cx="1912972" cy="785648"/>
               </a:xfrm>
               <a:prstGeom prst="rect">
